--- a/resources/ISORC2018_CFP.pptx
+++ b/resources/ISORC2018_CFP.pptx
@@ -104,6 +104,11 @@
       </a:defRPr>
     </a:lvl9pPr>
   </p:defaultTextStyle>
+  <p:extLst>
+    <p:ext uri="{EFAFB233-063F-42B5-8137-9DF3F51BA10A}">
+      <p15:sldGuideLst xmlns:p15="http://schemas.microsoft.com/office/powerpoint/2012/main"/>
+    </p:ext>
+  </p:extLst>
 </p:presentation>
 </file>
 
@@ -238,7 +243,7 @@
           <a:p>
             <a:fld id="{2CFE5979-A821-46A4-88EE-AE2ED76C3A19}" type="datetimeFigureOut">
               <a:rPr lang="en-US" smtClean="0"/>
-              <a:t>05-Sep-17</a:t>
+              <a:t>06-Sep-17</a:t>
             </a:fld>
             <a:endParaRPr lang="en-US"/>
           </a:p>
@@ -408,7 +413,7 @@
           <a:p>
             <a:fld id="{2CFE5979-A821-46A4-88EE-AE2ED76C3A19}" type="datetimeFigureOut">
               <a:rPr lang="en-US" smtClean="0"/>
-              <a:t>05-Sep-17</a:t>
+              <a:t>06-Sep-17</a:t>
             </a:fld>
             <a:endParaRPr lang="en-US"/>
           </a:p>
@@ -588,7 +593,7 @@
           <a:p>
             <a:fld id="{2CFE5979-A821-46A4-88EE-AE2ED76C3A19}" type="datetimeFigureOut">
               <a:rPr lang="en-US" smtClean="0"/>
-              <a:t>05-Sep-17</a:t>
+              <a:t>06-Sep-17</a:t>
             </a:fld>
             <a:endParaRPr lang="en-US"/>
           </a:p>
@@ -758,7 +763,7 @@
           <a:p>
             <a:fld id="{2CFE5979-A821-46A4-88EE-AE2ED76C3A19}" type="datetimeFigureOut">
               <a:rPr lang="en-US" smtClean="0"/>
-              <a:t>05-Sep-17</a:t>
+              <a:t>06-Sep-17</a:t>
             </a:fld>
             <a:endParaRPr lang="en-US"/>
           </a:p>
@@ -1002,7 +1007,7 @@
           <a:p>
             <a:fld id="{2CFE5979-A821-46A4-88EE-AE2ED76C3A19}" type="datetimeFigureOut">
               <a:rPr lang="en-US" smtClean="0"/>
-              <a:t>05-Sep-17</a:t>
+              <a:t>06-Sep-17</a:t>
             </a:fld>
             <a:endParaRPr lang="en-US"/>
           </a:p>
@@ -1234,7 +1239,7 @@
           <a:p>
             <a:fld id="{2CFE5979-A821-46A4-88EE-AE2ED76C3A19}" type="datetimeFigureOut">
               <a:rPr lang="en-US" smtClean="0"/>
-              <a:t>05-Sep-17</a:t>
+              <a:t>06-Sep-17</a:t>
             </a:fld>
             <a:endParaRPr lang="en-US"/>
           </a:p>
@@ -1601,7 +1606,7 @@
           <a:p>
             <a:fld id="{2CFE5979-A821-46A4-88EE-AE2ED76C3A19}" type="datetimeFigureOut">
               <a:rPr lang="en-US" smtClean="0"/>
-              <a:t>05-Sep-17</a:t>
+              <a:t>06-Sep-17</a:t>
             </a:fld>
             <a:endParaRPr lang="en-US"/>
           </a:p>
@@ -1719,7 +1724,7 @@
           <a:p>
             <a:fld id="{2CFE5979-A821-46A4-88EE-AE2ED76C3A19}" type="datetimeFigureOut">
               <a:rPr lang="en-US" smtClean="0"/>
-              <a:t>05-Sep-17</a:t>
+              <a:t>06-Sep-17</a:t>
             </a:fld>
             <a:endParaRPr lang="en-US"/>
           </a:p>
@@ -1814,7 +1819,7 @@
           <a:p>
             <a:fld id="{2CFE5979-A821-46A4-88EE-AE2ED76C3A19}" type="datetimeFigureOut">
               <a:rPr lang="en-US" smtClean="0"/>
-              <a:t>05-Sep-17</a:t>
+              <a:t>06-Sep-17</a:t>
             </a:fld>
             <a:endParaRPr lang="en-US"/>
           </a:p>
@@ -2091,7 +2096,7 @@
           <a:p>
             <a:fld id="{2CFE5979-A821-46A4-88EE-AE2ED76C3A19}" type="datetimeFigureOut">
               <a:rPr lang="en-US" smtClean="0"/>
-              <a:t>05-Sep-17</a:t>
+              <a:t>06-Sep-17</a:t>
             </a:fld>
             <a:endParaRPr lang="en-US"/>
           </a:p>
@@ -2348,7 +2353,7 @@
           <a:p>
             <a:fld id="{2CFE5979-A821-46A4-88EE-AE2ED76C3A19}" type="datetimeFigureOut">
               <a:rPr lang="en-US" smtClean="0"/>
-              <a:t>05-Sep-17</a:t>
+              <a:t>06-Sep-17</a:t>
             </a:fld>
             <a:endParaRPr lang="en-US"/>
           </a:p>
@@ -2561,7 +2566,7 @@
           <a:p>
             <a:fld id="{2CFE5979-A821-46A4-88EE-AE2ED76C3A19}" type="datetimeFigureOut">
               <a:rPr lang="en-US" smtClean="0"/>
-              <a:t>05-Sep-17</a:t>
+              <a:t>06-Sep-17</a:t>
             </a:fld>
             <a:endParaRPr lang="en-US"/>
           </a:p>
@@ -3510,7 +3515,7 @@
         <p:spPr>
           <a:xfrm>
             <a:off x="40459" y="2418755"/>
-            <a:ext cx="1909450" cy="6524863"/>
+            <a:ext cx="1909450" cy="7032694"/>
           </a:xfrm>
           <a:prstGeom prst="rect">
             <a:avLst/>
@@ -3589,7 +3594,49 @@
                   <a:srgbClr val="000000"/>
                 </a:solidFill>
               </a:rPr>
-              <a:t>University of Leeds, UK</a:t>
+              <a:t>University of Leeds, </a:t>
+            </a:r>
+            <a:r>
+              <a:rPr lang="en-US" sz="1100" dirty="0" smtClean="0">
+                <a:solidFill>
+                  <a:srgbClr val="000000"/>
+                </a:solidFill>
+              </a:rPr>
+              <a:t>UK</a:t>
+            </a:r>
+            <a:endParaRPr lang="en-US" sz="1100" b="1" dirty="0"/>
+          </a:p>
+          <a:p>
+            <a:r>
+              <a:rPr lang="en-US" sz="1100" b="1" dirty="0">
+                <a:solidFill>
+                  <a:srgbClr val="000000"/>
+                </a:solidFill>
+              </a:rPr>
+              <a:t>Joel </a:t>
+            </a:r>
+            <a:r>
+              <a:rPr lang="en-US" sz="1100" b="1" dirty="0" err="1" smtClean="0">
+                <a:solidFill>
+                  <a:srgbClr val="000000"/>
+                </a:solidFill>
+              </a:rPr>
+              <a:t>Sherill</a:t>
+            </a:r>
+            <a:endParaRPr lang="en-US" sz="1100" b="1" dirty="0" smtClean="0">
+              <a:solidFill>
+                <a:srgbClr val="000000"/>
+              </a:solidFill>
+            </a:endParaRPr>
+          </a:p>
+          <a:p>
+            <a:r>
+              <a:rPr lang="en-US" sz="1100" dirty="0">
+                <a:solidFill>
+                  <a:srgbClr val="000000"/>
+                </a:solidFill>
+              </a:rPr>
+              <a:t> OAR Corporation, USA</a:t>
             </a:r>
             <a:endParaRPr lang="en-US" sz="1100" dirty="0" smtClean="0">
               <a:solidFill>

--- a/resources/ISORC2018_CFP.pptx
+++ b/resources/ISORC2018_CFP.pptx
@@ -3631,12 +3631,20 @@
           </a:p>
           <a:p>
             <a:r>
+              <a:rPr lang="en-US" sz="1100" smtClean="0">
+                <a:solidFill>
+                  <a:srgbClr val="000000"/>
+                </a:solidFill>
+              </a:rPr>
+              <a:t>OAR </a:t>
+            </a:r>
+            <a:r>
               <a:rPr lang="en-US" sz="1100" dirty="0">
                 <a:solidFill>
                   <a:srgbClr val="000000"/>
                 </a:solidFill>
               </a:rPr>
-              <a:t> OAR Corporation, USA</a:t>
+              <a:t>Corporation, USA</a:t>
             </a:r>
             <a:endParaRPr lang="en-US" sz="1100" dirty="0" smtClean="0">
               <a:solidFill>
@@ -4160,7 +4168,7 @@
         <p:spPr>
           <a:xfrm>
             <a:off x="1807031" y="9095702"/>
-            <a:ext cx="3264099" cy="646331"/>
+            <a:ext cx="3343608" cy="646331"/>
           </a:xfrm>
           <a:prstGeom prst="rect">
             <a:avLst/>
@@ -4214,7 +4222,15 @@
                   <a:schemeClr val="bg1"/>
                 </a:solidFill>
               </a:rPr>
-              <a:t>Email: TBA</a:t>
+              <a:t>Email: </a:t>
+            </a:r>
+            <a:r>
+              <a:rPr lang="en-US" sz="1200" dirty="0" err="1" smtClean="0">
+                <a:solidFill>
+                  <a:schemeClr val="bg1"/>
+                </a:solidFill>
+              </a:rPr>
+              <a:t>abhishek.dubey@Vanderbilt.Edu</a:t>
             </a:r>
             <a:endParaRPr lang="en-US" sz="1200" dirty="0">
               <a:solidFill>

--- a/resources/ISORC2018_CFP.pptx
+++ b/resources/ISORC2018_CFP.pptx
@@ -3137,7 +3137,7 @@
         </p:blipFill>
         <p:spPr>
           <a:xfrm>
-            <a:off x="0" y="288718"/>
+            <a:off x="0" y="291893"/>
             <a:ext cx="1807031" cy="1807031"/>
           </a:xfrm>
           <a:prstGeom prst="rect">

--- a/resources/ISORC2018_CFP.pptx
+++ b/resources/ISORC2018_CFP.pptx
@@ -243,7 +243,7 @@
           <a:p>
             <a:fld id="{2CFE5979-A821-46A4-88EE-AE2ED76C3A19}" type="datetimeFigureOut">
               <a:rPr lang="en-US" smtClean="0"/>
-              <a:t>06-Sep-17</a:t>
+              <a:t>21-Sep-17</a:t>
             </a:fld>
             <a:endParaRPr lang="en-US"/>
           </a:p>
@@ -413,7 +413,7 @@
           <a:p>
             <a:fld id="{2CFE5979-A821-46A4-88EE-AE2ED76C3A19}" type="datetimeFigureOut">
               <a:rPr lang="en-US" smtClean="0"/>
-              <a:t>06-Sep-17</a:t>
+              <a:t>21-Sep-17</a:t>
             </a:fld>
             <a:endParaRPr lang="en-US"/>
           </a:p>
@@ -593,7 +593,7 @@
           <a:p>
             <a:fld id="{2CFE5979-A821-46A4-88EE-AE2ED76C3A19}" type="datetimeFigureOut">
               <a:rPr lang="en-US" smtClean="0"/>
-              <a:t>06-Sep-17</a:t>
+              <a:t>21-Sep-17</a:t>
             </a:fld>
             <a:endParaRPr lang="en-US"/>
           </a:p>
@@ -763,7 +763,7 @@
           <a:p>
             <a:fld id="{2CFE5979-A821-46A4-88EE-AE2ED76C3A19}" type="datetimeFigureOut">
               <a:rPr lang="en-US" smtClean="0"/>
-              <a:t>06-Sep-17</a:t>
+              <a:t>21-Sep-17</a:t>
             </a:fld>
             <a:endParaRPr lang="en-US"/>
           </a:p>
@@ -1007,7 +1007,7 @@
           <a:p>
             <a:fld id="{2CFE5979-A821-46A4-88EE-AE2ED76C3A19}" type="datetimeFigureOut">
               <a:rPr lang="en-US" smtClean="0"/>
-              <a:t>06-Sep-17</a:t>
+              <a:t>21-Sep-17</a:t>
             </a:fld>
             <a:endParaRPr lang="en-US"/>
           </a:p>
@@ -1239,7 +1239,7 @@
           <a:p>
             <a:fld id="{2CFE5979-A821-46A4-88EE-AE2ED76C3A19}" type="datetimeFigureOut">
               <a:rPr lang="en-US" smtClean="0"/>
-              <a:t>06-Sep-17</a:t>
+              <a:t>21-Sep-17</a:t>
             </a:fld>
             <a:endParaRPr lang="en-US"/>
           </a:p>
@@ -1606,7 +1606,7 @@
           <a:p>
             <a:fld id="{2CFE5979-A821-46A4-88EE-AE2ED76C3A19}" type="datetimeFigureOut">
               <a:rPr lang="en-US" smtClean="0"/>
-              <a:t>06-Sep-17</a:t>
+              <a:t>21-Sep-17</a:t>
             </a:fld>
             <a:endParaRPr lang="en-US"/>
           </a:p>
@@ -1724,7 +1724,7 @@
           <a:p>
             <a:fld id="{2CFE5979-A821-46A4-88EE-AE2ED76C3A19}" type="datetimeFigureOut">
               <a:rPr lang="en-US" smtClean="0"/>
-              <a:t>06-Sep-17</a:t>
+              <a:t>21-Sep-17</a:t>
             </a:fld>
             <a:endParaRPr lang="en-US"/>
           </a:p>
@@ -1819,7 +1819,7 @@
           <a:p>
             <a:fld id="{2CFE5979-A821-46A4-88EE-AE2ED76C3A19}" type="datetimeFigureOut">
               <a:rPr lang="en-US" smtClean="0"/>
-              <a:t>06-Sep-17</a:t>
+              <a:t>21-Sep-17</a:t>
             </a:fld>
             <a:endParaRPr lang="en-US"/>
           </a:p>
@@ -2096,7 +2096,7 @@
           <a:p>
             <a:fld id="{2CFE5979-A821-46A4-88EE-AE2ED76C3A19}" type="datetimeFigureOut">
               <a:rPr lang="en-US" smtClean="0"/>
-              <a:t>06-Sep-17</a:t>
+              <a:t>21-Sep-17</a:t>
             </a:fld>
             <a:endParaRPr lang="en-US"/>
           </a:p>
@@ -2353,7 +2353,7 @@
           <a:p>
             <a:fld id="{2CFE5979-A821-46A4-88EE-AE2ED76C3A19}" type="datetimeFigureOut">
               <a:rPr lang="en-US" smtClean="0"/>
-              <a:t>06-Sep-17</a:t>
+              <a:t>21-Sep-17</a:t>
             </a:fld>
             <a:endParaRPr lang="en-US"/>
           </a:p>
@@ -2566,7 +2566,7 @@
           <a:p>
             <a:fld id="{2CFE5979-A821-46A4-88EE-AE2ED76C3A19}" type="datetimeFigureOut">
               <a:rPr lang="en-US" smtClean="0"/>
-              <a:t>06-Sep-17</a:t>
+              <a:t>21-Sep-17</a:t>
             </a:fld>
             <a:endParaRPr lang="en-US"/>
           </a:p>
@@ -3121,7 +3121,7 @@
           </p:cNvPicPr>
           <p:nvPr/>
         </p:nvPicPr>
-        <p:blipFill>
+        <p:blipFill rotWithShape="1">
           <a:blip r:embed="rId2">
             <a:duotone>
               <a:schemeClr val="accent1">
@@ -3131,14 +3131,13 @@
               <a:prstClr val="white"/>
             </a:duotone>
           </a:blip>
-          <a:stretch>
-            <a:fillRect/>
-          </a:stretch>
+          <a:srcRect b="17409"/>
+          <a:stretch/>
         </p:blipFill>
         <p:spPr>
           <a:xfrm>
-            <a:off x="0" y="291893"/>
-            <a:ext cx="1807031" cy="1807031"/>
+            <a:off x="0" y="288718"/>
+            <a:ext cx="1807031" cy="1492457"/>
           </a:xfrm>
           <a:prstGeom prst="rect">
             <a:avLst/>
@@ -3515,7 +3514,7 @@
         <p:spPr>
           <a:xfrm>
             <a:off x="40459" y="2418755"/>
-            <a:ext cx="1909450" cy="7032694"/>
+            <a:ext cx="1909450" cy="6694140"/>
           </a:xfrm>
           <a:prstGeom prst="rect">
             <a:avLst/>
@@ -3631,7 +3630,7 @@
           </a:p>
           <a:p>
             <a:r>
-              <a:rPr lang="en-US" sz="1100" smtClean="0">
+              <a:rPr lang="en-US" sz="1100" dirty="0" smtClean="0">
                 <a:solidFill>
                   <a:srgbClr val="000000"/>
                 </a:solidFill>
@@ -3653,138 +3652,7 @@
             </a:endParaRPr>
           </a:p>
           <a:p>
-            <a:endParaRPr lang="en-US" sz="1100" dirty="0"/>
-          </a:p>
-          <a:p>
-            <a:r>
-              <a:rPr lang="en-US" sz="1100" b="1" dirty="0">
-                <a:solidFill>
-                  <a:schemeClr val="accent1">
-                    <a:lumMod val="75000"/>
-                  </a:schemeClr>
-                </a:solidFill>
-              </a:rPr>
-              <a:t>Program Chairs:</a:t>
-            </a:r>
-            <a:r>
-              <a:rPr lang="en-US" sz="1100" dirty="0">
-                <a:solidFill>
-                  <a:schemeClr val="accent1">
-                    <a:lumMod val="75000"/>
-                  </a:schemeClr>
-                </a:solidFill>
-              </a:rPr>
-              <a:t> </a:t>
-            </a:r>
-          </a:p>
-          <a:p>
-            <a:r>
-              <a:rPr lang="en-US" sz="1100" b="1" dirty="0">
-                <a:solidFill>
-                  <a:srgbClr val="000000"/>
-                </a:solidFill>
-              </a:rPr>
-              <a:t>Marisol Garcia-Valls, </a:t>
-            </a:r>
-            <a:r>
-              <a:rPr lang="en-US" sz="1100" dirty="0">
-                <a:solidFill>
-                  <a:srgbClr val="000000"/>
-                </a:solidFill>
-              </a:rPr>
-              <a:t>Universidad Carlos III de Madrid, Spain</a:t>
-            </a:r>
-            <a:endParaRPr lang="en-US" sz="1100" dirty="0"/>
-          </a:p>
-          <a:p>
-            <a:r>
-              <a:rPr lang="en-US" sz="1100" b="1" dirty="0">
-                <a:solidFill>
-                  <a:srgbClr val="000000"/>
-                </a:solidFill>
-              </a:rPr>
-              <a:t>Abhishek Dubey, </a:t>
-            </a:r>
-            <a:endParaRPr lang="en-US" sz="1100" b="1" dirty="0" smtClean="0">
-              <a:solidFill>
-                <a:srgbClr val="000000"/>
-              </a:solidFill>
-            </a:endParaRPr>
-          </a:p>
-          <a:p>
-            <a:r>
-              <a:rPr lang="en-US" sz="1100" dirty="0" smtClean="0">
-                <a:solidFill>
-                  <a:srgbClr val="000000"/>
-                </a:solidFill>
-              </a:rPr>
-              <a:t>Vanderbilt </a:t>
-            </a:r>
-            <a:r>
-              <a:rPr lang="en-US" sz="1100" dirty="0">
-                <a:solidFill>
-                  <a:srgbClr val="000000"/>
-                </a:solidFill>
-              </a:rPr>
-              <a:t>University, USA</a:t>
-            </a:r>
-            <a:endParaRPr lang="en-US" sz="1100" dirty="0"/>
-          </a:p>
-          <a:p>
-            <a:r>
-              <a:rPr lang="en-US" sz="1100" b="1" dirty="0" err="1">
-                <a:solidFill>
-                  <a:srgbClr val="000000"/>
-                </a:solidFill>
-              </a:rPr>
-              <a:t>Qixin</a:t>
-            </a:r>
-            <a:r>
-              <a:rPr lang="en-US" sz="1100" b="1" dirty="0">
-                <a:solidFill>
-                  <a:srgbClr val="000000"/>
-                </a:solidFill>
-              </a:rPr>
-              <a:t> Wang, </a:t>
-            </a:r>
-            <a:endParaRPr lang="en-US" sz="1100" b="1" dirty="0" smtClean="0">
-              <a:solidFill>
-                <a:srgbClr val="000000"/>
-              </a:solidFill>
-            </a:endParaRPr>
-          </a:p>
-          <a:p>
-            <a:r>
-              <a:rPr lang="en-US" sz="1100" dirty="0" smtClean="0">
-                <a:solidFill>
-                  <a:srgbClr val="000000"/>
-                </a:solidFill>
-              </a:rPr>
-              <a:t>The </a:t>
-            </a:r>
-            <a:r>
-              <a:rPr lang="en-US" sz="1100" dirty="0">
-                <a:solidFill>
-                  <a:srgbClr val="000000"/>
-                </a:solidFill>
-              </a:rPr>
-              <a:t>Hong Kong Polytechnic University, Hong Kong SAR, </a:t>
-            </a:r>
-            <a:r>
-              <a:rPr lang="en-US" sz="1100" dirty="0" smtClean="0">
-                <a:solidFill>
-                  <a:srgbClr val="000000"/>
-                </a:solidFill>
-              </a:rPr>
-              <a:t>China</a:t>
-            </a:r>
-          </a:p>
-          <a:p>
-            <a:endParaRPr lang="en-US" sz="1100" dirty="0">
-              <a:solidFill>
-                <a:srgbClr val="000000"/>
-              </a:solidFill>
-            </a:endParaRPr>
+            <a:endParaRPr lang="en-US" sz="1100" dirty="0" smtClean="0"/>
           </a:p>
           <a:p>
             <a:r>
@@ -3830,6 +3698,122 @@
               </a:rPr>
               <a:t>, </a:t>
             </a:r>
+          </a:p>
+          <a:p>
+            <a:r>
+              <a:rPr lang="en-US" sz="1100" dirty="0">
+                <a:solidFill>
+                  <a:srgbClr val="000000"/>
+                </a:solidFill>
+              </a:rPr>
+              <a:t>Goethe University </a:t>
+            </a:r>
+          </a:p>
+          <a:p>
+            <a:r>
+              <a:rPr lang="en-US" sz="1100" dirty="0">
+                <a:solidFill>
+                  <a:srgbClr val="000000"/>
+                </a:solidFill>
+              </a:rPr>
+              <a:t>Frankfurt am Main, </a:t>
+            </a:r>
+          </a:p>
+          <a:p>
+            <a:r>
+              <a:rPr lang="en-US" sz="1100" dirty="0">
+                <a:solidFill>
+                  <a:srgbClr val="000000"/>
+                </a:solidFill>
+              </a:rPr>
+              <a:t>Germany </a:t>
+            </a:r>
+            <a:endParaRPr lang="en-US" sz="1100" dirty="0"/>
+          </a:p>
+          <a:p>
+            <a:r>
+              <a:rPr lang="en-US" sz="1100" b="1" dirty="0">
+                <a:solidFill>
+                  <a:srgbClr val="000000"/>
+                </a:solidFill>
+              </a:rPr>
+              <a:t>Rob Pettit, </a:t>
+            </a:r>
+          </a:p>
+          <a:p>
+            <a:r>
+              <a:rPr lang="en-US" sz="1100" dirty="0">
+                <a:solidFill>
+                  <a:srgbClr val="000000"/>
+                </a:solidFill>
+              </a:rPr>
+              <a:t>The Aerospace Corp., </a:t>
+            </a:r>
+          </a:p>
+          <a:p>
+            <a:r>
+              <a:rPr lang="en-US" sz="1100" dirty="0">
+                <a:solidFill>
+                  <a:srgbClr val="000000"/>
+                </a:solidFill>
+              </a:rPr>
+              <a:t>USA</a:t>
+            </a:r>
+            <a:endParaRPr lang="en-US" sz="1100" dirty="0"/>
+          </a:p>
+          <a:p>
+            <a:endParaRPr lang="en-US" sz="1100" dirty="0"/>
+          </a:p>
+          <a:p>
+            <a:r>
+              <a:rPr lang="en-US" sz="1100" b="1" dirty="0">
+                <a:solidFill>
+                  <a:schemeClr val="accent1">
+                    <a:lumMod val="75000"/>
+                  </a:schemeClr>
+                </a:solidFill>
+              </a:rPr>
+              <a:t>Program Chairs:</a:t>
+            </a:r>
+            <a:r>
+              <a:rPr lang="en-US" sz="1100" dirty="0">
+                <a:solidFill>
+                  <a:schemeClr val="accent1">
+                    <a:lumMod val="75000"/>
+                  </a:schemeClr>
+                </a:solidFill>
+              </a:rPr>
+              <a:t> </a:t>
+            </a:r>
+          </a:p>
+          <a:p>
+            <a:r>
+              <a:rPr lang="en-US" sz="1100" b="1" dirty="0">
+                <a:solidFill>
+                  <a:srgbClr val="000000"/>
+                </a:solidFill>
+              </a:rPr>
+              <a:t>Marisol Garcia-Valls, </a:t>
+            </a:r>
+            <a:r>
+              <a:rPr lang="en-US" sz="1100" dirty="0">
+                <a:solidFill>
+                  <a:srgbClr val="000000"/>
+                </a:solidFill>
+              </a:rPr>
+              <a:t>Universidad Carlos III de Madrid, Spain</a:t>
+            </a:r>
+            <a:endParaRPr lang="en-US" sz="1100" dirty="0"/>
+          </a:p>
+          <a:p>
+            <a:r>
+              <a:rPr lang="en-US" sz="1100" b="1" dirty="0">
+                <a:solidFill>
+                  <a:srgbClr val="000000"/>
+                </a:solidFill>
+              </a:rPr>
+              <a:t>Abhishek Dubey, </a:t>
+            </a:r>
             <a:endParaRPr lang="en-US" sz="1100" b="1" dirty="0" smtClean="0">
               <a:solidFill>
                 <a:srgbClr val="000000"/>
@@ -3843,7 +3827,7 @@
                   <a:srgbClr val="000000"/>
                 </a:solidFill>
               </a:rPr>
-              <a:t>Goethe </a:t>
+              <a:t>Vanderbilt </a:t>
             </a:r>
             <a:r>
               <a:rPr lang="en-US" sz="1100" dirty="0">
@@ -3851,56 +3835,26 @@
                   <a:srgbClr val="000000"/>
                 </a:solidFill>
               </a:rPr>
-              <a:t>University </a:t>
-            </a:r>
-            <a:endParaRPr lang="en-US" sz="1100" dirty="0" smtClean="0">
-              <a:solidFill>
-                <a:srgbClr val="000000"/>
-              </a:solidFill>
-            </a:endParaRPr>
-          </a:p>
-          <a:p>
-            <a:r>
-              <a:rPr lang="en-US" sz="1100" dirty="0" smtClean="0">
-                <a:solidFill>
-                  <a:srgbClr val="000000"/>
-                </a:solidFill>
-              </a:rPr>
-              <a:t>Frankfurt </a:t>
-            </a:r>
-            <a:r>
-              <a:rPr lang="en-US" sz="1100" dirty="0">
-                <a:solidFill>
-                  <a:srgbClr val="000000"/>
-                </a:solidFill>
-              </a:rPr>
-              <a:t>am Main, </a:t>
-            </a:r>
-            <a:endParaRPr lang="en-US" sz="1100" dirty="0" smtClean="0">
-              <a:solidFill>
-                <a:srgbClr val="000000"/>
-              </a:solidFill>
-            </a:endParaRPr>
-          </a:p>
-          <a:p>
-            <a:r>
-              <a:rPr lang="en-US" sz="1100" dirty="0" smtClean="0">
-                <a:solidFill>
-                  <a:srgbClr val="000000"/>
-                </a:solidFill>
-              </a:rPr>
-              <a:t>Germany </a:t>
+              <a:t>University, USA</a:t>
             </a:r>
             <a:endParaRPr lang="en-US" sz="1100" dirty="0"/>
           </a:p>
           <a:p>
             <a:r>
+              <a:rPr lang="en-US" sz="1100" b="1" dirty="0" err="1">
+                <a:solidFill>
+                  <a:srgbClr val="000000"/>
+                </a:solidFill>
+              </a:rPr>
+              <a:t>Qixin</a:t>
+            </a:r>
+            <a:r>
               <a:rPr lang="en-US" sz="1100" b="1" dirty="0">
                 <a:solidFill>
                   <a:srgbClr val="000000"/>
                 </a:solidFill>
               </a:rPr>
-              <a:t>Rob Pettit, </a:t>
+              <a:t> Wang, </a:t>
             </a:r>
             <a:endParaRPr lang="en-US" sz="1100" b="1" dirty="0" smtClean="0">
               <a:solidFill>
@@ -3923,7 +3877,7 @@
                   <a:srgbClr val="000000"/>
                 </a:solidFill>
               </a:rPr>
-              <a:t>Aerospace </a:t>
+              <a:t>Hong Kong Polytechnic University, Hong Kong SAR, </a:t>
             </a:r>
             <a:r>
               <a:rPr lang="en-US" sz="1100" dirty="0" smtClean="0">
@@ -3931,52 +3885,36 @@
                   <a:srgbClr val="000000"/>
                 </a:solidFill>
               </a:rPr>
-              <a:t>Corp., </a:t>
-            </a:r>
-          </a:p>
-          <a:p>
-            <a:r>
-              <a:rPr lang="en-US" sz="1100" dirty="0" smtClean="0">
-                <a:solidFill>
-                  <a:srgbClr val="000000"/>
-                </a:solidFill>
-              </a:rPr>
-              <a:t>USA</a:t>
-            </a:r>
-            <a:endParaRPr lang="en-US" sz="1100" dirty="0"/>
-          </a:p>
-          <a:p>
-            <a:endParaRPr lang="en-US" sz="1100" dirty="0"/>
-          </a:p>
-          <a:p>
-            <a:r>
-              <a:rPr lang="en-US" sz="1100" dirty="0">
+              <a:t>China</a:t>
+            </a:r>
+          </a:p>
+          <a:p>
+            <a:endParaRPr lang="en-US" sz="1100" dirty="0">
+              <a:solidFill>
+                <a:srgbClr val="000000"/>
+              </a:solidFill>
+            </a:endParaRPr>
+          </a:p>
+          <a:p>
+            <a:r>
+              <a:rPr lang="en-US" sz="1100" b="1" dirty="0" smtClean="0">
                 <a:solidFill>
                   <a:schemeClr val="accent1">
                     <a:lumMod val="75000"/>
                   </a:schemeClr>
                 </a:solidFill>
               </a:rPr>
-              <a:t/>
-            </a:r>
-            <a:br>
-              <a:rPr lang="en-US" sz="1100" dirty="0">
+              <a:t>Finance </a:t>
+            </a:r>
+            <a:r>
+              <a:rPr lang="en-US" sz="1100" b="1" dirty="0">
                 <a:solidFill>
                   <a:schemeClr val="accent1">
                     <a:lumMod val="75000"/>
                   </a:schemeClr>
                 </a:solidFill>
               </a:rPr>
-            </a:br>
-            <a:r>
-              <a:rPr lang="en-US" sz="1100" b="1" dirty="0">
-                <a:solidFill>
-                  <a:schemeClr val="accent1">
-                    <a:lumMod val="75000"/>
-                  </a:schemeClr>
-                </a:solidFill>
-              </a:rPr>
-              <a:t>Finance Chair:</a:t>
+              <a:t>Chair:</a:t>
             </a:r>
             <a:endParaRPr lang="en-US" sz="1100" dirty="0">
               <a:solidFill>
@@ -4078,12 +4016,12 @@
           </a:p>
           <a:p>
             <a:r>
-              <a:rPr lang="en-US" sz="1100" dirty="0">
-                <a:solidFill>
-                  <a:srgbClr val="000000"/>
-                </a:solidFill>
-              </a:rPr>
-              <a:t>NTU, Singapore</a:t>
+              <a:rPr lang="en-US" sz="1100" dirty="0" smtClean="0">
+                <a:solidFill>
+                  <a:srgbClr val="000000"/>
+                </a:solidFill>
+              </a:rPr>
+              <a:t>AUT, New Zealand</a:t>
             </a:r>
             <a:endParaRPr lang="en-US" sz="1100" dirty="0"/>
           </a:p>

--- a/resources/ISORC2018_CFP.pptx
+++ b/resources/ISORC2018_CFP.pptx
@@ -3514,7 +3514,7 @@
         <p:spPr>
           <a:xfrm>
             <a:off x="40459" y="2418755"/>
-            <a:ext cx="1909450" cy="6694140"/>
+            <a:ext cx="1909450" cy="6863417"/>
           </a:xfrm>
           <a:prstGeom prst="rect">
             <a:avLst/>
@@ -3643,27 +3643,171 @@
                   <a:srgbClr val="000000"/>
                 </a:solidFill>
               </a:rPr>
-              <a:t>Corporation, USA</a:t>
-            </a:r>
-            <a:endParaRPr lang="en-US" sz="1100" dirty="0" smtClean="0">
+              <a:t>Corporation, </a:t>
+            </a:r>
+            <a:r>
+              <a:rPr lang="en-US" sz="1100" dirty="0" smtClean="0">
+                <a:solidFill>
+                  <a:srgbClr val="000000"/>
+                </a:solidFill>
+              </a:rPr>
+              <a:t>USA</a:t>
+            </a:r>
+          </a:p>
+          <a:p>
+            <a:endParaRPr lang="en-US" sz="1100" dirty="0"/>
+          </a:p>
+          <a:p>
+            <a:r>
+              <a:rPr lang="en-US" sz="1100" b="1" dirty="0">
+                <a:solidFill>
+                  <a:schemeClr val="accent1">
+                    <a:lumMod val="75000"/>
+                  </a:schemeClr>
+                </a:solidFill>
+              </a:rPr>
+              <a:t>Program Chairs:</a:t>
+            </a:r>
+            <a:r>
+              <a:rPr lang="en-US" sz="1100" dirty="0">
+                <a:solidFill>
+                  <a:schemeClr val="accent1">
+                    <a:lumMod val="75000"/>
+                  </a:schemeClr>
+                </a:solidFill>
+              </a:rPr>
+              <a:t> </a:t>
+            </a:r>
+          </a:p>
+          <a:p>
+            <a:r>
+              <a:rPr lang="en-US" sz="1100" b="1" dirty="0">
+                <a:solidFill>
+                  <a:srgbClr val="000000"/>
+                </a:solidFill>
+              </a:rPr>
+              <a:t>Marisol Garcia-Valls, </a:t>
+            </a:r>
+            <a:r>
+              <a:rPr lang="en-US" sz="1100" dirty="0">
+                <a:solidFill>
+                  <a:srgbClr val="000000"/>
+                </a:solidFill>
+              </a:rPr>
+              <a:t>Universidad Carlos III de Madrid, Spain</a:t>
+            </a:r>
+            <a:endParaRPr lang="en-US" sz="1100" dirty="0"/>
+          </a:p>
+          <a:p>
+            <a:r>
+              <a:rPr lang="en-US" sz="1100" b="1" dirty="0">
+                <a:solidFill>
+                  <a:srgbClr val="000000"/>
+                </a:solidFill>
+              </a:rPr>
+              <a:t>Abhishek Dubey, </a:t>
+            </a:r>
+            <a:endParaRPr lang="en-US" sz="1100" b="1" dirty="0" smtClean="0">
               <a:solidFill>
                 <a:srgbClr val="000000"/>
               </a:solidFill>
             </a:endParaRPr>
           </a:p>
           <a:p>
-            <a:endParaRPr lang="en-US" sz="1100" dirty="0" smtClean="0"/>
-          </a:p>
-          <a:p>
+            <a:r>
+              <a:rPr lang="en-US" sz="1100" dirty="0" smtClean="0">
+                <a:solidFill>
+                  <a:srgbClr val="000000"/>
+                </a:solidFill>
+              </a:rPr>
+              <a:t>Vanderbilt </a:t>
+            </a:r>
+            <a:r>
+              <a:rPr lang="en-US" sz="1100" dirty="0">
+                <a:solidFill>
+                  <a:srgbClr val="000000"/>
+                </a:solidFill>
+              </a:rPr>
+              <a:t>University, USA</a:t>
+            </a:r>
+            <a:endParaRPr lang="en-US" sz="1100" dirty="0"/>
+          </a:p>
+          <a:p>
+            <a:r>
+              <a:rPr lang="en-US" sz="1100" b="1" dirty="0" err="1">
+                <a:solidFill>
+                  <a:srgbClr val="000000"/>
+                </a:solidFill>
+              </a:rPr>
+              <a:t>Qixin</a:t>
+            </a:r>
             <a:r>
               <a:rPr lang="en-US" sz="1100" b="1" dirty="0">
+                <a:solidFill>
+                  <a:srgbClr val="000000"/>
+                </a:solidFill>
+              </a:rPr>
+              <a:t> Wang, </a:t>
+            </a:r>
+            <a:endParaRPr lang="en-US" sz="1100" b="1" dirty="0" smtClean="0">
+              <a:solidFill>
+                <a:srgbClr val="000000"/>
+              </a:solidFill>
+            </a:endParaRPr>
+          </a:p>
+          <a:p>
+            <a:r>
+              <a:rPr lang="en-US" sz="1100" dirty="0" smtClean="0">
+                <a:solidFill>
+                  <a:srgbClr val="000000"/>
+                </a:solidFill>
+              </a:rPr>
+              <a:t>The </a:t>
+            </a:r>
+            <a:r>
+              <a:rPr lang="en-US" sz="1100" dirty="0">
+                <a:solidFill>
+                  <a:srgbClr val="000000"/>
+                </a:solidFill>
+              </a:rPr>
+              <a:t>Hong Kong Polytechnic University, Hong Kong SAR, </a:t>
+            </a:r>
+            <a:r>
+              <a:rPr lang="en-US" sz="1100" dirty="0" smtClean="0">
+                <a:solidFill>
+                  <a:srgbClr val="000000"/>
+                </a:solidFill>
+              </a:rPr>
+              <a:t>China</a:t>
+            </a:r>
+          </a:p>
+          <a:p>
+            <a:endParaRPr lang="en-US" sz="1100" dirty="0">
+              <a:solidFill>
+                <a:srgbClr val="000000"/>
+              </a:solidFill>
+            </a:endParaRPr>
+          </a:p>
+          <a:p>
+            <a:r>
+              <a:rPr lang="en-US" sz="1100" b="1" dirty="0" smtClean="0">
                 <a:solidFill>
                   <a:schemeClr val="accent1">
                     <a:lumMod val="75000"/>
                   </a:schemeClr>
                 </a:solidFill>
               </a:rPr>
-              <a:t>Steering Committee Chairs:</a:t>
+              <a:t>Finance </a:t>
+            </a:r>
+            <a:r>
+              <a:rPr lang="en-US" sz="1100" b="1" dirty="0">
+                <a:solidFill>
+                  <a:schemeClr val="accent1">
+                    <a:lumMod val="75000"/>
+                  </a:schemeClr>
+                </a:solidFill>
+              </a:rPr>
+              <a:t>Chair:</a:t>
             </a:r>
             <a:endParaRPr lang="en-US" sz="1100" dirty="0">
               <a:solidFill>
@@ -3680,139 +3824,7 @@
                   <a:srgbClr val="000000"/>
                 </a:solidFill>
               </a:rPr>
-              <a:t>Uwe </a:t>
-            </a:r>
-            <a:r>
-              <a:rPr lang="en-US" sz="1100" b="1" dirty="0" err="1">
-                <a:solidFill>
-                  <a:srgbClr val="000000"/>
-                </a:solidFill>
-              </a:rPr>
-              <a:t>Brinkschulte</a:t>
-            </a:r>
-            <a:r>
-              <a:rPr lang="en-US" sz="1100" b="1" dirty="0">
-                <a:solidFill>
-                  <a:srgbClr val="000000"/>
-                </a:solidFill>
-              </a:rPr>
-              <a:t>, </a:t>
-            </a:r>
-          </a:p>
-          <a:p>
-            <a:r>
-              <a:rPr lang="en-US" sz="1100" dirty="0">
-                <a:solidFill>
-                  <a:srgbClr val="000000"/>
-                </a:solidFill>
-              </a:rPr>
-              <a:t>Goethe University </a:t>
-            </a:r>
-          </a:p>
-          <a:p>
-            <a:r>
-              <a:rPr lang="en-US" sz="1100" dirty="0">
-                <a:solidFill>
-                  <a:srgbClr val="000000"/>
-                </a:solidFill>
-              </a:rPr>
-              <a:t>Frankfurt am Main, </a:t>
-            </a:r>
-          </a:p>
-          <a:p>
-            <a:r>
-              <a:rPr lang="en-US" sz="1100" dirty="0">
-                <a:solidFill>
-                  <a:srgbClr val="000000"/>
-                </a:solidFill>
-              </a:rPr>
-              <a:t>Germany </a:t>
-            </a:r>
-            <a:endParaRPr lang="en-US" sz="1100" dirty="0"/>
-          </a:p>
-          <a:p>
-            <a:r>
-              <a:rPr lang="en-US" sz="1100" b="1" dirty="0">
-                <a:solidFill>
-                  <a:srgbClr val="000000"/>
-                </a:solidFill>
-              </a:rPr>
-              <a:t>Rob Pettit, </a:t>
-            </a:r>
-          </a:p>
-          <a:p>
-            <a:r>
-              <a:rPr lang="en-US" sz="1100" dirty="0">
-                <a:solidFill>
-                  <a:srgbClr val="000000"/>
-                </a:solidFill>
-              </a:rPr>
-              <a:t>The Aerospace Corp., </a:t>
-            </a:r>
-          </a:p>
-          <a:p>
-            <a:r>
-              <a:rPr lang="en-US" sz="1100" dirty="0">
-                <a:solidFill>
-                  <a:srgbClr val="000000"/>
-                </a:solidFill>
-              </a:rPr>
-              <a:t>USA</a:t>
-            </a:r>
-            <a:endParaRPr lang="en-US" sz="1100" dirty="0"/>
-          </a:p>
-          <a:p>
-            <a:endParaRPr lang="en-US" sz="1100" dirty="0"/>
-          </a:p>
-          <a:p>
-            <a:r>
-              <a:rPr lang="en-US" sz="1100" b="1" dirty="0">
-                <a:solidFill>
-                  <a:schemeClr val="accent1">
-                    <a:lumMod val="75000"/>
-                  </a:schemeClr>
-                </a:solidFill>
-              </a:rPr>
-              <a:t>Program Chairs:</a:t>
-            </a:r>
-            <a:r>
-              <a:rPr lang="en-US" sz="1100" dirty="0">
-                <a:solidFill>
-                  <a:schemeClr val="accent1">
-                    <a:lumMod val="75000"/>
-                  </a:schemeClr>
-                </a:solidFill>
-              </a:rPr>
-              <a:t> </a:t>
-            </a:r>
-          </a:p>
-          <a:p>
-            <a:r>
-              <a:rPr lang="en-US" sz="1100" b="1" dirty="0">
-                <a:solidFill>
-                  <a:srgbClr val="000000"/>
-                </a:solidFill>
-              </a:rPr>
-              <a:t>Marisol Garcia-Valls, </a:t>
-            </a:r>
-            <a:r>
-              <a:rPr lang="en-US" sz="1100" dirty="0">
-                <a:solidFill>
-                  <a:srgbClr val="000000"/>
-                </a:solidFill>
-              </a:rPr>
-              <a:t>Universidad Carlos III de Madrid, Spain</a:t>
-            </a:r>
-            <a:endParaRPr lang="en-US" sz="1100" dirty="0"/>
-          </a:p>
-          <a:p>
-            <a:r>
-              <a:rPr lang="en-US" sz="1100" b="1" dirty="0">
-                <a:solidFill>
-                  <a:srgbClr val="000000"/>
-                </a:solidFill>
-              </a:rPr>
-              <a:t>Abhishek Dubey, </a:t>
+              <a:t>Rui Tan </a:t>
             </a:r>
             <a:endParaRPr lang="en-US" sz="1100" b="1" dirty="0" smtClean="0">
               <a:solidFill>
@@ -3827,7 +3839,7 @@
                   <a:srgbClr val="000000"/>
                 </a:solidFill>
               </a:rPr>
-              <a:t>Vanderbilt </a:t>
+              <a:t>NTU</a:t>
             </a:r>
             <a:r>
               <a:rPr lang="en-US" sz="1100" dirty="0">
@@ -3835,86 +3847,47 @@
                   <a:srgbClr val="000000"/>
                 </a:solidFill>
               </a:rPr>
-              <a:t>University, USA</a:t>
+              <a:t>, </a:t>
+            </a:r>
+            <a:r>
+              <a:rPr lang="en-US" sz="1100" dirty="0" smtClean="0">
+                <a:solidFill>
+                  <a:srgbClr val="000000"/>
+                </a:solidFill>
+              </a:rPr>
+              <a:t>Singapore</a:t>
             </a:r>
             <a:endParaRPr lang="en-US" sz="1100" dirty="0"/>
           </a:p>
           <a:p>
             <a:r>
-              <a:rPr lang="en-US" sz="1100" b="1" dirty="0" err="1">
-                <a:solidFill>
-                  <a:srgbClr val="000000"/>
-                </a:solidFill>
-              </a:rPr>
-              <a:t>Qixin</a:t>
-            </a:r>
-            <a:r>
-              <a:rPr lang="en-US" sz="1100" b="1" dirty="0">
-                <a:solidFill>
-                  <a:srgbClr val="000000"/>
-                </a:solidFill>
-              </a:rPr>
-              <a:t> Wang, </a:t>
-            </a:r>
-            <a:endParaRPr lang="en-US" sz="1100" b="1" dirty="0" smtClean="0">
-              <a:solidFill>
-                <a:srgbClr val="000000"/>
-              </a:solidFill>
-            </a:endParaRPr>
-          </a:p>
-          <a:p>
-            <a:r>
-              <a:rPr lang="en-US" sz="1100" dirty="0" smtClean="0">
-                <a:solidFill>
-                  <a:srgbClr val="000000"/>
-                </a:solidFill>
-              </a:rPr>
-              <a:t>The </a:t>
-            </a:r>
-            <a:r>
               <a:rPr lang="en-US" sz="1100" dirty="0">
-                <a:solidFill>
-                  <a:srgbClr val="000000"/>
-                </a:solidFill>
-              </a:rPr>
-              <a:t>Hong Kong Polytechnic University, Hong Kong SAR, </a:t>
-            </a:r>
-            <a:r>
-              <a:rPr lang="en-US" sz="1100" dirty="0" smtClean="0">
-                <a:solidFill>
-                  <a:srgbClr val="000000"/>
-                </a:solidFill>
-              </a:rPr>
-              <a:t>China</a:t>
-            </a:r>
-          </a:p>
-          <a:p>
-            <a:endParaRPr lang="en-US" sz="1100" dirty="0">
-              <a:solidFill>
-                <a:srgbClr val="000000"/>
-              </a:solidFill>
-            </a:endParaRPr>
-          </a:p>
-          <a:p>
-            <a:r>
-              <a:rPr lang="en-US" sz="1100" b="1" dirty="0" smtClean="0">
                 <a:solidFill>
                   <a:schemeClr val="accent1">
                     <a:lumMod val="75000"/>
                   </a:schemeClr>
                 </a:solidFill>
               </a:rPr>
-              <a:t>Finance </a:t>
-            </a:r>
-            <a:r>
-              <a:rPr lang="en-US" sz="1100" b="1" dirty="0">
+              <a:t/>
+            </a:r>
+            <a:br>
+              <a:rPr lang="en-US" sz="1100" dirty="0">
                 <a:solidFill>
                   <a:schemeClr val="accent1">
                     <a:lumMod val="75000"/>
                   </a:schemeClr>
                 </a:solidFill>
               </a:rPr>
-              <a:t>Chair:</a:t>
+            </a:br>
+            <a:r>
+              <a:rPr lang="en-US" sz="1100" b="1" dirty="0">
+                <a:solidFill>
+                  <a:schemeClr val="accent1">
+                    <a:lumMod val="75000"/>
+                  </a:schemeClr>
+                </a:solidFill>
+              </a:rPr>
+              <a:t>Web and Publicity Chair:</a:t>
             </a:r>
             <a:endParaRPr lang="en-US" sz="1100" dirty="0">
               <a:solidFill>
@@ -3931,13 +3904,8 @@
                   <a:srgbClr val="000000"/>
                 </a:solidFill>
               </a:rPr>
-              <a:t>Rui Tan </a:t>
-            </a:r>
-            <a:endParaRPr lang="en-US" sz="1100" b="1" dirty="0" smtClean="0">
-              <a:solidFill>
-                <a:srgbClr val="000000"/>
-              </a:solidFill>
-            </a:endParaRPr>
+              <a:t>Sidharta Andalam </a:t>
+            </a:r>
           </a:p>
           <a:p>
             <a:r>
@@ -3946,7 +3914,7 @@
                   <a:srgbClr val="000000"/>
                 </a:solidFill>
               </a:rPr>
-              <a:t>NTU</a:t>
+              <a:t>AUT, New </a:t>
             </a:r>
             <a:r>
               <a:rPr lang="en-US" sz="1100" dirty="0">
@@ -3954,47 +3922,22 @@
                   <a:srgbClr val="000000"/>
                 </a:solidFill>
               </a:rPr>
-              <a:t>, </a:t>
-            </a:r>
-            <a:r>
-              <a:rPr lang="en-US" sz="1100" dirty="0" smtClean="0">
-                <a:solidFill>
-                  <a:srgbClr val="000000"/>
-                </a:solidFill>
-              </a:rPr>
-              <a:t>Singapore</a:t>
-            </a:r>
+              <a:t>Zealand</a:t>
+            </a:r>
+          </a:p>
+          <a:p>
             <a:endParaRPr lang="en-US" sz="1100" dirty="0"/>
           </a:p>
           <a:p>
             <a:r>
-              <a:rPr lang="en-US" sz="1100" dirty="0">
+              <a:rPr lang="en-US" sz="1100" b="1" dirty="0">
                 <a:solidFill>
                   <a:schemeClr val="accent1">
                     <a:lumMod val="75000"/>
                   </a:schemeClr>
                 </a:solidFill>
               </a:rPr>
-              <a:t/>
-            </a:r>
-            <a:br>
-              <a:rPr lang="en-US" sz="1100" dirty="0">
-                <a:solidFill>
-                  <a:schemeClr val="accent1">
-                    <a:lumMod val="75000"/>
-                  </a:schemeClr>
-                </a:solidFill>
-              </a:rPr>
-            </a:br>
-            <a:r>
-              <a:rPr lang="en-US" sz="1100" b="1" dirty="0">
-                <a:solidFill>
-                  <a:schemeClr val="accent1">
-                    <a:lumMod val="75000"/>
-                  </a:schemeClr>
-                </a:solidFill>
-              </a:rPr>
-              <a:t>Web and Publicity Chair:</a:t>
+              <a:t>Steering Committee Chairs:</a:t>
             </a:r>
             <a:endParaRPr lang="en-US" sz="1100" dirty="0">
               <a:solidFill>
@@ -4011,18 +3954,88 @@
                   <a:srgbClr val="000000"/>
                 </a:solidFill>
               </a:rPr>
-              <a:t>Sidharta Andalam </a:t>
-            </a:r>
-          </a:p>
-          <a:p>
-            <a:r>
-              <a:rPr lang="en-US" sz="1100" dirty="0" smtClean="0">
-                <a:solidFill>
-                  <a:srgbClr val="000000"/>
-                </a:solidFill>
-              </a:rPr>
-              <a:t>AUT, New Zealand</a:t>
-            </a:r>
+              <a:t>Uwe </a:t>
+            </a:r>
+            <a:r>
+              <a:rPr lang="en-US" sz="1100" b="1" dirty="0" err="1">
+                <a:solidFill>
+                  <a:srgbClr val="000000"/>
+                </a:solidFill>
+              </a:rPr>
+              <a:t>Brinkschulte</a:t>
+            </a:r>
+            <a:r>
+              <a:rPr lang="en-US" sz="1100" b="1" dirty="0">
+                <a:solidFill>
+                  <a:srgbClr val="000000"/>
+                </a:solidFill>
+              </a:rPr>
+              <a:t>, </a:t>
+            </a:r>
+          </a:p>
+          <a:p>
+            <a:r>
+              <a:rPr lang="en-US" sz="1100" dirty="0">
+                <a:solidFill>
+                  <a:srgbClr val="000000"/>
+                </a:solidFill>
+              </a:rPr>
+              <a:t>Goethe University </a:t>
+            </a:r>
+          </a:p>
+          <a:p>
+            <a:r>
+              <a:rPr lang="en-US" sz="1100" dirty="0">
+                <a:solidFill>
+                  <a:srgbClr val="000000"/>
+                </a:solidFill>
+              </a:rPr>
+              <a:t>Frankfurt am Main, </a:t>
+            </a:r>
+          </a:p>
+          <a:p>
+            <a:r>
+              <a:rPr lang="en-US" sz="1100" dirty="0">
+                <a:solidFill>
+                  <a:srgbClr val="000000"/>
+                </a:solidFill>
+              </a:rPr>
+              <a:t>Germany </a:t>
+            </a:r>
+            <a:endParaRPr lang="en-US" sz="1100" dirty="0"/>
+          </a:p>
+          <a:p>
+            <a:r>
+              <a:rPr lang="en-US" sz="1100" b="1" dirty="0">
+                <a:solidFill>
+                  <a:srgbClr val="000000"/>
+                </a:solidFill>
+              </a:rPr>
+              <a:t>Rob Pettit, </a:t>
+            </a:r>
+          </a:p>
+          <a:p>
+            <a:r>
+              <a:rPr lang="en-US" sz="1100" dirty="0">
+                <a:solidFill>
+                  <a:srgbClr val="000000"/>
+                </a:solidFill>
+              </a:rPr>
+              <a:t>The Aerospace Corp., </a:t>
+            </a:r>
+          </a:p>
+          <a:p>
+            <a:r>
+              <a:rPr lang="en-US" sz="1100" dirty="0">
+                <a:solidFill>
+                  <a:srgbClr val="000000"/>
+                </a:solidFill>
+              </a:rPr>
+              <a:t>USA</a:t>
+            </a:r>
+            <a:endParaRPr lang="en-US" sz="1100" dirty="0"/>
+          </a:p>
+          <a:p>
             <a:endParaRPr lang="en-US" sz="1100" dirty="0"/>
           </a:p>
           <a:p>

--- a/resources/ISORC2018_CFP.pptx
+++ b/resources/ISORC2018_CFP.pptx
@@ -243,7 +243,7 @@
           <a:p>
             <a:fld id="{2CFE5979-A821-46A4-88EE-AE2ED76C3A19}" type="datetimeFigureOut">
               <a:rPr lang="en-US" smtClean="0"/>
-              <a:t>21-Sep-17</a:t>
+              <a:t>20-Nov-17</a:t>
             </a:fld>
             <a:endParaRPr lang="en-US"/>
           </a:p>
@@ -413,7 +413,7 @@
           <a:p>
             <a:fld id="{2CFE5979-A821-46A4-88EE-AE2ED76C3A19}" type="datetimeFigureOut">
               <a:rPr lang="en-US" smtClean="0"/>
-              <a:t>21-Sep-17</a:t>
+              <a:t>20-Nov-17</a:t>
             </a:fld>
             <a:endParaRPr lang="en-US"/>
           </a:p>
@@ -593,7 +593,7 @@
           <a:p>
             <a:fld id="{2CFE5979-A821-46A4-88EE-AE2ED76C3A19}" type="datetimeFigureOut">
               <a:rPr lang="en-US" smtClean="0"/>
-              <a:t>21-Sep-17</a:t>
+              <a:t>20-Nov-17</a:t>
             </a:fld>
             <a:endParaRPr lang="en-US"/>
           </a:p>
@@ -763,7 +763,7 @@
           <a:p>
             <a:fld id="{2CFE5979-A821-46A4-88EE-AE2ED76C3A19}" type="datetimeFigureOut">
               <a:rPr lang="en-US" smtClean="0"/>
-              <a:t>21-Sep-17</a:t>
+              <a:t>20-Nov-17</a:t>
             </a:fld>
             <a:endParaRPr lang="en-US"/>
           </a:p>
@@ -1007,7 +1007,7 @@
           <a:p>
             <a:fld id="{2CFE5979-A821-46A4-88EE-AE2ED76C3A19}" type="datetimeFigureOut">
               <a:rPr lang="en-US" smtClean="0"/>
-              <a:t>21-Sep-17</a:t>
+              <a:t>20-Nov-17</a:t>
             </a:fld>
             <a:endParaRPr lang="en-US"/>
           </a:p>
@@ -1239,7 +1239,7 @@
           <a:p>
             <a:fld id="{2CFE5979-A821-46A4-88EE-AE2ED76C3A19}" type="datetimeFigureOut">
               <a:rPr lang="en-US" smtClean="0"/>
-              <a:t>21-Sep-17</a:t>
+              <a:t>20-Nov-17</a:t>
             </a:fld>
             <a:endParaRPr lang="en-US"/>
           </a:p>
@@ -1606,7 +1606,7 @@
           <a:p>
             <a:fld id="{2CFE5979-A821-46A4-88EE-AE2ED76C3A19}" type="datetimeFigureOut">
               <a:rPr lang="en-US" smtClean="0"/>
-              <a:t>21-Sep-17</a:t>
+              <a:t>20-Nov-17</a:t>
             </a:fld>
             <a:endParaRPr lang="en-US"/>
           </a:p>
@@ -1724,7 +1724,7 @@
           <a:p>
             <a:fld id="{2CFE5979-A821-46A4-88EE-AE2ED76C3A19}" type="datetimeFigureOut">
               <a:rPr lang="en-US" smtClean="0"/>
-              <a:t>21-Sep-17</a:t>
+              <a:t>20-Nov-17</a:t>
             </a:fld>
             <a:endParaRPr lang="en-US"/>
           </a:p>
@@ -1819,7 +1819,7 @@
           <a:p>
             <a:fld id="{2CFE5979-A821-46A4-88EE-AE2ED76C3A19}" type="datetimeFigureOut">
               <a:rPr lang="en-US" smtClean="0"/>
-              <a:t>21-Sep-17</a:t>
+              <a:t>20-Nov-17</a:t>
             </a:fld>
             <a:endParaRPr lang="en-US"/>
           </a:p>
@@ -2096,7 +2096,7 @@
           <a:p>
             <a:fld id="{2CFE5979-A821-46A4-88EE-AE2ED76C3A19}" type="datetimeFigureOut">
               <a:rPr lang="en-US" smtClean="0"/>
-              <a:t>21-Sep-17</a:t>
+              <a:t>20-Nov-17</a:t>
             </a:fld>
             <a:endParaRPr lang="en-US"/>
           </a:p>
@@ -2353,7 +2353,7 @@
           <a:p>
             <a:fld id="{2CFE5979-A821-46A4-88EE-AE2ED76C3A19}" type="datetimeFigureOut">
               <a:rPr lang="en-US" smtClean="0"/>
-              <a:t>21-Sep-17</a:t>
+              <a:t>20-Nov-17</a:t>
             </a:fld>
             <a:endParaRPr lang="en-US"/>
           </a:p>
@@ -2566,7 +2566,7 @@
           <a:p>
             <a:fld id="{2CFE5979-A821-46A4-88EE-AE2ED76C3A19}" type="datetimeFigureOut">
               <a:rPr lang="en-US" smtClean="0"/>
-              <a:t>21-Sep-17</a:t>
+              <a:t>20-Nov-17</a:t>
             </a:fld>
             <a:endParaRPr lang="en-US"/>
           </a:p>
@@ -4072,8 +4072,8 @@
         </p:nvSpPr>
         <p:spPr>
           <a:xfrm>
-            <a:off x="1612249" y="9088545"/>
-            <a:ext cx="5245751" cy="645255"/>
+            <a:off x="1612249" y="9052449"/>
+            <a:ext cx="5245751" cy="817455"/>
           </a:xfrm>
           <a:prstGeom prst="rect">
             <a:avLst/>
@@ -4118,8 +4118,8 @@
         </p:nvSpPr>
         <p:spPr>
           <a:xfrm>
-            <a:off x="1807031" y="9095702"/>
-            <a:ext cx="3343608" cy="646331"/>
+            <a:off x="1745656" y="9057501"/>
+            <a:ext cx="4997394" cy="830997"/>
           </a:xfrm>
           <a:prstGeom prst="rect">
             <a:avLst/>
@@ -4133,15 +4133,50 @@
           <a:lstStyle/>
           <a:p>
             <a:r>
+              <a:rPr lang="en-US" sz="1200" dirty="0">
+                <a:solidFill>
+                  <a:schemeClr val="bg1"/>
+                </a:solidFill>
+              </a:rPr>
+              <a:t>Best papers from ISORC 2018 will be invited for submission to a Special Issue </a:t>
+            </a:r>
+          </a:p>
+          <a:p>
+            <a:r>
+              <a:rPr lang="en-US" sz="1200" dirty="0">
+                <a:solidFill>
+                  <a:schemeClr val="bg1"/>
+                </a:solidFill>
+              </a:rPr>
+              <a:t>of Journal of Systems Architecture</a:t>
+            </a:r>
+            <a:r>
               <a:rPr lang="en-US" sz="1200" dirty="0" smtClean="0">
                 <a:solidFill>
                   <a:schemeClr val="bg1"/>
                 </a:solidFill>
               </a:rPr>
-              <a:t>Request for more information</a:t>
-            </a:r>
-          </a:p>
-          <a:p>
+              <a:t>.</a:t>
+            </a:r>
+          </a:p>
+          <a:p>
+            <a:r>
+              <a:rPr lang="en-US" sz="1200" dirty="0" smtClean="0">
+                <a:solidFill>
+                  <a:schemeClr val="bg1"/>
+                </a:solidFill>
+              </a:rPr>
+              <a:t> </a:t>
+            </a:r>
+            <a:r>
+              <a:rPr lang="en-US" sz="1200" dirty="0" smtClean="0">
+                <a:solidFill>
+                  <a:schemeClr val="bg1"/>
+                </a:solidFill>
+                <a:hlinkClick r:id="rId3"/>
+              </a:rPr>
+              <a:t>https</a:t>
+            </a:r>
             <a:r>
               <a:rPr lang="en-US" sz="1200" dirty="0">
                 <a:solidFill>
@@ -4149,7 +4184,7 @@
                 </a:solidFill>
                 <a:hlinkClick r:id="rId3"/>
               </a:rPr>
-              <a:t>https://cps-research-group.github.io/ISORC2018</a:t>
+              <a:t>://cps-research-group.github.io/ISORC2018</a:t>
             </a:r>
             <a:r>
               <a:rPr lang="en-US" sz="1200" dirty="0" smtClean="0">

--- a/resources/ISORC2018_CFP.pptx
+++ b/resources/ISORC2018_CFP.pptx
@@ -243,7 +243,7 @@
           <a:p>
             <a:fld id="{2CFE5979-A821-46A4-88EE-AE2ED76C3A19}" type="datetimeFigureOut">
               <a:rPr lang="en-US" smtClean="0"/>
-              <a:t>20-Nov-17</a:t>
+              <a:t>27-Nov-17</a:t>
             </a:fld>
             <a:endParaRPr lang="en-US"/>
           </a:p>
@@ -413,7 +413,7 @@
           <a:p>
             <a:fld id="{2CFE5979-A821-46A4-88EE-AE2ED76C3A19}" type="datetimeFigureOut">
               <a:rPr lang="en-US" smtClean="0"/>
-              <a:t>20-Nov-17</a:t>
+              <a:t>27-Nov-17</a:t>
             </a:fld>
             <a:endParaRPr lang="en-US"/>
           </a:p>
@@ -593,7 +593,7 @@
           <a:p>
             <a:fld id="{2CFE5979-A821-46A4-88EE-AE2ED76C3A19}" type="datetimeFigureOut">
               <a:rPr lang="en-US" smtClean="0"/>
-              <a:t>20-Nov-17</a:t>
+              <a:t>27-Nov-17</a:t>
             </a:fld>
             <a:endParaRPr lang="en-US"/>
           </a:p>
@@ -763,7 +763,7 @@
           <a:p>
             <a:fld id="{2CFE5979-A821-46A4-88EE-AE2ED76C3A19}" type="datetimeFigureOut">
               <a:rPr lang="en-US" smtClean="0"/>
-              <a:t>20-Nov-17</a:t>
+              <a:t>27-Nov-17</a:t>
             </a:fld>
             <a:endParaRPr lang="en-US"/>
           </a:p>
@@ -1007,7 +1007,7 @@
           <a:p>
             <a:fld id="{2CFE5979-A821-46A4-88EE-AE2ED76C3A19}" type="datetimeFigureOut">
               <a:rPr lang="en-US" smtClean="0"/>
-              <a:t>20-Nov-17</a:t>
+              <a:t>27-Nov-17</a:t>
             </a:fld>
             <a:endParaRPr lang="en-US"/>
           </a:p>
@@ -1239,7 +1239,7 @@
           <a:p>
             <a:fld id="{2CFE5979-A821-46A4-88EE-AE2ED76C3A19}" type="datetimeFigureOut">
               <a:rPr lang="en-US" smtClean="0"/>
-              <a:t>20-Nov-17</a:t>
+              <a:t>27-Nov-17</a:t>
             </a:fld>
             <a:endParaRPr lang="en-US"/>
           </a:p>
@@ -1606,7 +1606,7 @@
           <a:p>
             <a:fld id="{2CFE5979-A821-46A4-88EE-AE2ED76C3A19}" type="datetimeFigureOut">
               <a:rPr lang="en-US" smtClean="0"/>
-              <a:t>20-Nov-17</a:t>
+              <a:t>27-Nov-17</a:t>
             </a:fld>
             <a:endParaRPr lang="en-US"/>
           </a:p>
@@ -1724,7 +1724,7 @@
           <a:p>
             <a:fld id="{2CFE5979-A821-46A4-88EE-AE2ED76C3A19}" type="datetimeFigureOut">
               <a:rPr lang="en-US" smtClean="0"/>
-              <a:t>20-Nov-17</a:t>
+              <a:t>27-Nov-17</a:t>
             </a:fld>
             <a:endParaRPr lang="en-US"/>
           </a:p>
@@ -1819,7 +1819,7 @@
           <a:p>
             <a:fld id="{2CFE5979-A821-46A4-88EE-AE2ED76C3A19}" type="datetimeFigureOut">
               <a:rPr lang="en-US" smtClean="0"/>
-              <a:t>20-Nov-17</a:t>
+              <a:t>27-Nov-17</a:t>
             </a:fld>
             <a:endParaRPr lang="en-US"/>
           </a:p>
@@ -2096,7 +2096,7 @@
           <a:p>
             <a:fld id="{2CFE5979-A821-46A4-88EE-AE2ED76C3A19}" type="datetimeFigureOut">
               <a:rPr lang="en-US" smtClean="0"/>
-              <a:t>20-Nov-17</a:t>
+              <a:t>27-Nov-17</a:t>
             </a:fld>
             <a:endParaRPr lang="en-US"/>
           </a:p>
@@ -2353,7 +2353,7 @@
           <a:p>
             <a:fld id="{2CFE5979-A821-46A4-88EE-AE2ED76C3A19}" type="datetimeFigureOut">
               <a:rPr lang="en-US" smtClean="0"/>
-              <a:t>20-Nov-17</a:t>
+              <a:t>27-Nov-17</a:t>
             </a:fld>
             <a:endParaRPr lang="en-US"/>
           </a:p>
@@ -2566,7 +2566,7 @@
           <a:p>
             <a:fld id="{2CFE5979-A821-46A4-88EE-AE2ED76C3A19}" type="datetimeFigureOut">
               <a:rPr lang="en-US" smtClean="0"/>
-              <a:t>20-Nov-17</a:t>
+              <a:t>27-Nov-17</a:t>
             </a:fld>
             <a:endParaRPr lang="en-US"/>
           </a:p>
@@ -3909,21 +3909,14 @@
           </a:p>
           <a:p>
             <a:r>
-              <a:rPr lang="en-US" sz="1100" dirty="0" smtClean="0">
-                <a:solidFill>
-                  <a:srgbClr val="000000"/>
-                </a:solidFill>
-              </a:rPr>
-              <a:t>AUT, New </a:t>
-            </a:r>
-            <a:r>
               <a:rPr lang="en-US" sz="1100" dirty="0">
                 <a:solidFill>
                   <a:srgbClr val="000000"/>
                 </a:solidFill>
               </a:rPr>
-              <a:t>Zealand</a:t>
-            </a:r>
+              <a:t>NTU, Singapore</a:t>
+            </a:r>
+            <a:endParaRPr lang="en-US" sz="1100" dirty="0"/>
           </a:p>
           <a:p>
             <a:endParaRPr lang="en-US" sz="1100" dirty="0"/>

--- a/resources/ISORC2018_CFP.pptx
+++ b/resources/ISORC2018_CFP.pptx
@@ -243,7 +243,7 @@
           <a:p>
             <a:fld id="{2CFE5979-A821-46A4-88EE-AE2ED76C3A19}" type="datetimeFigureOut">
               <a:rPr lang="en-US" smtClean="0"/>
-              <a:t>27-Nov-17</a:t>
+              <a:t>12/26/2017</a:t>
             </a:fld>
             <a:endParaRPr lang="en-US"/>
           </a:p>
@@ -413,7 +413,7 @@
           <a:p>
             <a:fld id="{2CFE5979-A821-46A4-88EE-AE2ED76C3A19}" type="datetimeFigureOut">
               <a:rPr lang="en-US" smtClean="0"/>
-              <a:t>27-Nov-17</a:t>
+              <a:t>12/26/2017</a:t>
             </a:fld>
             <a:endParaRPr lang="en-US"/>
           </a:p>
@@ -593,7 +593,7 @@
           <a:p>
             <a:fld id="{2CFE5979-A821-46A4-88EE-AE2ED76C3A19}" type="datetimeFigureOut">
               <a:rPr lang="en-US" smtClean="0"/>
-              <a:t>27-Nov-17</a:t>
+              <a:t>12/26/2017</a:t>
             </a:fld>
             <a:endParaRPr lang="en-US"/>
           </a:p>
@@ -763,7 +763,7 @@
           <a:p>
             <a:fld id="{2CFE5979-A821-46A4-88EE-AE2ED76C3A19}" type="datetimeFigureOut">
               <a:rPr lang="en-US" smtClean="0"/>
-              <a:t>27-Nov-17</a:t>
+              <a:t>12/26/2017</a:t>
             </a:fld>
             <a:endParaRPr lang="en-US"/>
           </a:p>
@@ -1007,7 +1007,7 @@
           <a:p>
             <a:fld id="{2CFE5979-A821-46A4-88EE-AE2ED76C3A19}" type="datetimeFigureOut">
               <a:rPr lang="en-US" smtClean="0"/>
-              <a:t>27-Nov-17</a:t>
+              <a:t>12/26/2017</a:t>
             </a:fld>
             <a:endParaRPr lang="en-US"/>
           </a:p>
@@ -1239,7 +1239,7 @@
           <a:p>
             <a:fld id="{2CFE5979-A821-46A4-88EE-AE2ED76C3A19}" type="datetimeFigureOut">
               <a:rPr lang="en-US" smtClean="0"/>
-              <a:t>27-Nov-17</a:t>
+              <a:t>12/26/2017</a:t>
             </a:fld>
             <a:endParaRPr lang="en-US"/>
           </a:p>
@@ -1606,7 +1606,7 @@
           <a:p>
             <a:fld id="{2CFE5979-A821-46A4-88EE-AE2ED76C3A19}" type="datetimeFigureOut">
               <a:rPr lang="en-US" smtClean="0"/>
-              <a:t>27-Nov-17</a:t>
+              <a:t>12/26/2017</a:t>
             </a:fld>
             <a:endParaRPr lang="en-US"/>
           </a:p>
@@ -1724,7 +1724,7 @@
           <a:p>
             <a:fld id="{2CFE5979-A821-46A4-88EE-AE2ED76C3A19}" type="datetimeFigureOut">
               <a:rPr lang="en-US" smtClean="0"/>
-              <a:t>27-Nov-17</a:t>
+              <a:t>12/26/2017</a:t>
             </a:fld>
             <a:endParaRPr lang="en-US"/>
           </a:p>
@@ -1819,7 +1819,7 @@
           <a:p>
             <a:fld id="{2CFE5979-A821-46A4-88EE-AE2ED76C3A19}" type="datetimeFigureOut">
               <a:rPr lang="en-US" smtClean="0"/>
-              <a:t>27-Nov-17</a:t>
+              <a:t>12/26/2017</a:t>
             </a:fld>
             <a:endParaRPr lang="en-US"/>
           </a:p>
@@ -2096,7 +2096,7 @@
           <a:p>
             <a:fld id="{2CFE5979-A821-46A4-88EE-AE2ED76C3A19}" type="datetimeFigureOut">
               <a:rPr lang="en-US" smtClean="0"/>
-              <a:t>27-Nov-17</a:t>
+              <a:t>12/26/2017</a:t>
             </a:fld>
             <a:endParaRPr lang="en-US"/>
           </a:p>
@@ -2353,7 +2353,7 @@
           <a:p>
             <a:fld id="{2CFE5979-A821-46A4-88EE-AE2ED76C3A19}" type="datetimeFigureOut">
               <a:rPr lang="en-US" smtClean="0"/>
-              <a:t>27-Nov-17</a:t>
+              <a:t>12/26/2017</a:t>
             </a:fld>
             <a:endParaRPr lang="en-US"/>
           </a:p>
@@ -2566,7 +2566,7 @@
           <a:p>
             <a:fld id="{2CFE5979-A821-46A4-88EE-AE2ED76C3A19}" type="datetimeFigureOut">
               <a:rPr lang="en-US" smtClean="0"/>
-              <a:t>27-Nov-17</a:t>
+              <a:t>12/26/2017</a:t>
             </a:fld>
             <a:endParaRPr lang="en-US"/>
           </a:p>
@@ -3436,11 +3436,23 @@
             </a:r>
             <a:r>
               <a:rPr lang="en-US" sz="1200" dirty="0" smtClean="0"/>
-              <a:t>    March </a:t>
+              <a:t>    </a:t>
+            </a:r>
+            <a:r>
+              <a:rPr lang="en-US" sz="1200" smtClean="0"/>
+              <a:t>March </a:t>
+            </a:r>
+            <a:r>
+              <a:rPr lang="en-US" sz="1200" smtClean="0"/>
+              <a:t>22</a:t>
+            </a:r>
+            <a:r>
+              <a:rPr lang="en-US" sz="1200" smtClean="0"/>
+              <a:t>, </a:t>
             </a:r>
             <a:r>
               <a:rPr lang="en-US" sz="1200" dirty="0"/>
-              <a:t>31, 2018</a:t>
+              <a:t>2018</a:t>
             </a:r>
           </a:p>
         </p:txBody>

--- a/resources/ISORC2018_CFP.pptx
+++ b/resources/ISORC2018_CFP.pptx
@@ -243,7 +243,7 @@
           <a:p>
             <a:fld id="{2CFE5979-A821-46A4-88EE-AE2ED76C3A19}" type="datetimeFigureOut">
               <a:rPr lang="en-US" smtClean="0"/>
-              <a:t>12/26/2017</a:t>
+              <a:t>1/23/2018</a:t>
             </a:fld>
             <a:endParaRPr lang="en-US"/>
           </a:p>
@@ -413,7 +413,7 @@
           <a:p>
             <a:fld id="{2CFE5979-A821-46A4-88EE-AE2ED76C3A19}" type="datetimeFigureOut">
               <a:rPr lang="en-US" smtClean="0"/>
-              <a:t>12/26/2017</a:t>
+              <a:t>1/23/2018</a:t>
             </a:fld>
             <a:endParaRPr lang="en-US"/>
           </a:p>
@@ -593,7 +593,7 @@
           <a:p>
             <a:fld id="{2CFE5979-A821-46A4-88EE-AE2ED76C3A19}" type="datetimeFigureOut">
               <a:rPr lang="en-US" smtClean="0"/>
-              <a:t>12/26/2017</a:t>
+              <a:t>1/23/2018</a:t>
             </a:fld>
             <a:endParaRPr lang="en-US"/>
           </a:p>
@@ -763,7 +763,7 @@
           <a:p>
             <a:fld id="{2CFE5979-A821-46A4-88EE-AE2ED76C3A19}" type="datetimeFigureOut">
               <a:rPr lang="en-US" smtClean="0"/>
-              <a:t>12/26/2017</a:t>
+              <a:t>1/23/2018</a:t>
             </a:fld>
             <a:endParaRPr lang="en-US"/>
           </a:p>
@@ -1007,7 +1007,7 @@
           <a:p>
             <a:fld id="{2CFE5979-A821-46A4-88EE-AE2ED76C3A19}" type="datetimeFigureOut">
               <a:rPr lang="en-US" smtClean="0"/>
-              <a:t>12/26/2017</a:t>
+              <a:t>1/23/2018</a:t>
             </a:fld>
             <a:endParaRPr lang="en-US"/>
           </a:p>
@@ -1239,7 +1239,7 @@
           <a:p>
             <a:fld id="{2CFE5979-A821-46A4-88EE-AE2ED76C3A19}" type="datetimeFigureOut">
               <a:rPr lang="en-US" smtClean="0"/>
-              <a:t>12/26/2017</a:t>
+              <a:t>1/23/2018</a:t>
             </a:fld>
             <a:endParaRPr lang="en-US"/>
           </a:p>
@@ -1606,7 +1606,7 @@
           <a:p>
             <a:fld id="{2CFE5979-A821-46A4-88EE-AE2ED76C3A19}" type="datetimeFigureOut">
               <a:rPr lang="en-US" smtClean="0"/>
-              <a:t>12/26/2017</a:t>
+              <a:t>1/23/2018</a:t>
             </a:fld>
             <a:endParaRPr lang="en-US"/>
           </a:p>
@@ -1724,7 +1724,7 @@
           <a:p>
             <a:fld id="{2CFE5979-A821-46A4-88EE-AE2ED76C3A19}" type="datetimeFigureOut">
               <a:rPr lang="en-US" smtClean="0"/>
-              <a:t>12/26/2017</a:t>
+              <a:t>1/23/2018</a:t>
             </a:fld>
             <a:endParaRPr lang="en-US"/>
           </a:p>
@@ -1819,7 +1819,7 @@
           <a:p>
             <a:fld id="{2CFE5979-A821-46A4-88EE-AE2ED76C3A19}" type="datetimeFigureOut">
               <a:rPr lang="en-US" smtClean="0"/>
-              <a:t>12/26/2017</a:t>
+              <a:t>1/23/2018</a:t>
             </a:fld>
             <a:endParaRPr lang="en-US"/>
           </a:p>
@@ -2096,7 +2096,7 @@
           <a:p>
             <a:fld id="{2CFE5979-A821-46A4-88EE-AE2ED76C3A19}" type="datetimeFigureOut">
               <a:rPr lang="en-US" smtClean="0"/>
-              <a:t>12/26/2017</a:t>
+              <a:t>1/23/2018</a:t>
             </a:fld>
             <a:endParaRPr lang="en-US"/>
           </a:p>
@@ -2353,7 +2353,7 @@
           <a:p>
             <a:fld id="{2CFE5979-A821-46A4-88EE-AE2ED76C3A19}" type="datetimeFigureOut">
               <a:rPr lang="en-US" smtClean="0"/>
-              <a:t>12/26/2017</a:t>
+              <a:t>1/23/2018</a:t>
             </a:fld>
             <a:endParaRPr lang="en-US"/>
           </a:p>
@@ -2566,7 +2566,7 @@
           <a:p>
             <a:fld id="{2CFE5979-A821-46A4-88EE-AE2ED76C3A19}" type="datetimeFigureOut">
               <a:rPr lang="en-US" smtClean="0"/>
-              <a:t>12/26/2017</a:t>
+              <a:t>1/23/2018</a:t>
             </a:fld>
             <a:endParaRPr lang="en-US"/>
           </a:p>
@@ -3380,11 +3380,23 @@
             </a:r>
             <a:r>
               <a:rPr lang="en-US" sz="1200" dirty="0" smtClean="0"/>
-              <a:t>    February </a:t>
+              <a:t>    </a:t>
+            </a:r>
+            <a:r>
+              <a:rPr lang="en-US" sz="1200" smtClean="0"/>
+              <a:t>February </a:t>
             </a:r>
             <a:r>
               <a:rPr lang="en-US" sz="1200" dirty="0"/>
-              <a:t>2, 2018 </a:t>
+              <a:t>9</a:t>
+            </a:r>
+            <a:r>
+              <a:rPr lang="en-US" sz="1200" smtClean="0"/>
+              <a:t>, </a:t>
+            </a:r>
+            <a:r>
+              <a:rPr lang="en-US" sz="1200" dirty="0"/>
+              <a:t>2018 </a:t>
             </a:r>
             <a:endParaRPr lang="en-US" sz="1200" dirty="0" smtClean="0"/>
           </a:p>
@@ -3436,19 +3448,7 @@
             </a:r>
             <a:r>
               <a:rPr lang="en-US" sz="1200" dirty="0" smtClean="0"/>
-              <a:t>    </a:t>
-            </a:r>
-            <a:r>
-              <a:rPr lang="en-US" sz="1200" smtClean="0"/>
-              <a:t>March </a:t>
-            </a:r>
-            <a:r>
-              <a:rPr lang="en-US" sz="1200" smtClean="0"/>
-              <a:t>22</a:t>
-            </a:r>
-            <a:r>
-              <a:rPr lang="en-US" sz="1200" smtClean="0"/>
-              <a:t>, </a:t>
+              <a:t>    March 22, </a:t>
             </a:r>
             <a:r>
               <a:rPr lang="en-US" sz="1200" dirty="0"/>

--- a/resources/ISORC2018_CFP.pptx
+++ b/resources/ISORC2018_CFP.pptx
@@ -243,7 +243,7 @@
           <a:p>
             <a:fld id="{2CFE5979-A821-46A4-88EE-AE2ED76C3A19}" type="datetimeFigureOut">
               <a:rPr lang="en-US" smtClean="0"/>
-              <a:t>1/23/2018</a:t>
+              <a:t>2/9/2018</a:t>
             </a:fld>
             <a:endParaRPr lang="en-US"/>
           </a:p>
@@ -413,7 +413,7 @@
           <a:p>
             <a:fld id="{2CFE5979-A821-46A4-88EE-AE2ED76C3A19}" type="datetimeFigureOut">
               <a:rPr lang="en-US" smtClean="0"/>
-              <a:t>1/23/2018</a:t>
+              <a:t>2/9/2018</a:t>
             </a:fld>
             <a:endParaRPr lang="en-US"/>
           </a:p>
@@ -593,7 +593,7 @@
           <a:p>
             <a:fld id="{2CFE5979-A821-46A4-88EE-AE2ED76C3A19}" type="datetimeFigureOut">
               <a:rPr lang="en-US" smtClean="0"/>
-              <a:t>1/23/2018</a:t>
+              <a:t>2/9/2018</a:t>
             </a:fld>
             <a:endParaRPr lang="en-US"/>
           </a:p>
@@ -763,7 +763,7 @@
           <a:p>
             <a:fld id="{2CFE5979-A821-46A4-88EE-AE2ED76C3A19}" type="datetimeFigureOut">
               <a:rPr lang="en-US" smtClean="0"/>
-              <a:t>1/23/2018</a:t>
+              <a:t>2/9/2018</a:t>
             </a:fld>
             <a:endParaRPr lang="en-US"/>
           </a:p>
@@ -1007,7 +1007,7 @@
           <a:p>
             <a:fld id="{2CFE5979-A821-46A4-88EE-AE2ED76C3A19}" type="datetimeFigureOut">
               <a:rPr lang="en-US" smtClean="0"/>
-              <a:t>1/23/2018</a:t>
+              <a:t>2/9/2018</a:t>
             </a:fld>
             <a:endParaRPr lang="en-US"/>
           </a:p>
@@ -1239,7 +1239,7 @@
           <a:p>
             <a:fld id="{2CFE5979-A821-46A4-88EE-AE2ED76C3A19}" type="datetimeFigureOut">
               <a:rPr lang="en-US" smtClean="0"/>
-              <a:t>1/23/2018</a:t>
+              <a:t>2/9/2018</a:t>
             </a:fld>
             <a:endParaRPr lang="en-US"/>
           </a:p>
@@ -1606,7 +1606,7 @@
           <a:p>
             <a:fld id="{2CFE5979-A821-46A4-88EE-AE2ED76C3A19}" type="datetimeFigureOut">
               <a:rPr lang="en-US" smtClean="0"/>
-              <a:t>1/23/2018</a:t>
+              <a:t>2/9/2018</a:t>
             </a:fld>
             <a:endParaRPr lang="en-US"/>
           </a:p>
@@ -1724,7 +1724,7 @@
           <a:p>
             <a:fld id="{2CFE5979-A821-46A4-88EE-AE2ED76C3A19}" type="datetimeFigureOut">
               <a:rPr lang="en-US" smtClean="0"/>
-              <a:t>1/23/2018</a:t>
+              <a:t>2/9/2018</a:t>
             </a:fld>
             <a:endParaRPr lang="en-US"/>
           </a:p>
@@ -1819,7 +1819,7 @@
           <a:p>
             <a:fld id="{2CFE5979-A821-46A4-88EE-AE2ED76C3A19}" type="datetimeFigureOut">
               <a:rPr lang="en-US" smtClean="0"/>
-              <a:t>1/23/2018</a:t>
+              <a:t>2/9/2018</a:t>
             </a:fld>
             <a:endParaRPr lang="en-US"/>
           </a:p>
@@ -2096,7 +2096,7 @@
           <a:p>
             <a:fld id="{2CFE5979-A821-46A4-88EE-AE2ED76C3A19}" type="datetimeFigureOut">
               <a:rPr lang="en-US" smtClean="0"/>
-              <a:t>1/23/2018</a:t>
+              <a:t>2/9/2018</a:t>
             </a:fld>
             <a:endParaRPr lang="en-US"/>
           </a:p>
@@ -2353,7 +2353,7 @@
           <a:p>
             <a:fld id="{2CFE5979-A821-46A4-88EE-AE2ED76C3A19}" type="datetimeFigureOut">
               <a:rPr lang="en-US" smtClean="0"/>
-              <a:t>1/23/2018</a:t>
+              <a:t>2/9/2018</a:t>
             </a:fld>
             <a:endParaRPr lang="en-US"/>
           </a:p>
@@ -2566,7 +2566,7 @@
           <a:p>
             <a:fld id="{2CFE5979-A821-46A4-88EE-AE2ED76C3A19}" type="datetimeFigureOut">
               <a:rPr lang="en-US" smtClean="0"/>
-              <a:t>1/23/2018</a:t>
+              <a:t>2/9/2018</a:t>
             </a:fld>
             <a:endParaRPr lang="en-US"/>
           </a:p>
@@ -3387,8 +3387,8 @@
               <a:t>February </a:t>
             </a:r>
             <a:r>
-              <a:rPr lang="en-US" sz="1200" dirty="0"/>
-              <a:t>9</a:t>
+              <a:rPr lang="en-US" sz="1200" smtClean="0"/>
+              <a:t>14</a:t>
             </a:r>
             <a:r>
               <a:rPr lang="en-US" sz="1200" smtClean="0"/>
